--- a/2023/VAC2023/Presentation/20230519 Introduction to Pandas.pptx
+++ b/2023/VAC2023/Presentation/20230519 Introduction to Pandas.pptx
@@ -7959,6 +7959,7 @@
       <p:pic>
         <p:nvPicPr>
           <p:cNvPr id="3074" name="Picture 2" descr="GitHub Logo and symbol, meaning, history, PNG, brand">
+            <a:hlinkClick r:id="rId2"/>
             <a:extLst>
               <a:ext uri="{FF2B5EF4-FFF2-40B4-BE49-F238E27FC236}">
                 <a16:creationId xmlns:a16="http://schemas.microsoft.com/office/drawing/2014/main" id="{1743D889-3F6B-7533-3754-7C12F85CFC24}"/>
@@ -7971,7 +7972,7 @@
           <p:nvPr/>
         </p:nvPicPr>
         <p:blipFill>
-          <a:blip r:embed="rId2">
+          <a:blip r:embed="rId3">
             <a:extLst>
               <a:ext uri="{28A0092B-C50C-407E-A947-70E740481C1C}">
                 <a14:useLocalDpi xmlns:a14="http://schemas.microsoft.com/office/drawing/2010/main" val="0"/>
@@ -7985,8 +7986,56 @@
         </p:blipFill>
         <p:spPr bwMode="auto">
           <a:xfrm>
-            <a:off x="419099" y="2165151"/>
-            <a:ext cx="638175" cy="358973"/>
+            <a:off x="962563" y="2089414"/>
+            <a:ext cx="904958" cy="509038"/>
+          </a:xfrm>
+          <a:prstGeom prst="rect">
+            <a:avLst/>
+          </a:prstGeom>
+          <a:noFill/>
+          <a:extLst>
+            <a:ext uri="{909E8E84-426E-40DD-AFC4-6F175D3DCCD1}">
+              <a14:hiddenFill xmlns:a14="http://schemas.microsoft.com/office/drawing/2010/main">
+                <a:solidFill>
+                  <a:srgbClr val="FFFFFF"/>
+                </a:solidFill>
+              </a14:hiddenFill>
+            </a:ext>
+          </a:extLst>
+        </p:spPr>
+      </p:pic>
+      <p:pic>
+        <p:nvPicPr>
+          <p:cNvPr id="1028" name="Picture 4" descr="Anaconda.org">
+            <a:hlinkClick r:id="rId4"/>
+            <a:extLst>
+              <a:ext uri="{FF2B5EF4-FFF2-40B4-BE49-F238E27FC236}">
+                <a16:creationId xmlns:a16="http://schemas.microsoft.com/office/drawing/2014/main" id="{93AB89C6-A8BB-2DE6-19C0-B3E38C1B545B}"/>
+              </a:ext>
+            </a:extLst>
+          </p:cNvPr>
+          <p:cNvPicPr>
+            <a:picLocks noChangeAspect="1" noChangeArrowheads="1"/>
+          </p:cNvPicPr>
+          <p:nvPr/>
+        </p:nvPicPr>
+        <p:blipFill>
+          <a:blip r:embed="rId5">
+            <a:extLst>
+              <a:ext uri="{28A0092B-C50C-407E-A947-70E740481C1C}">
+                <a14:useLocalDpi xmlns:a14="http://schemas.microsoft.com/office/drawing/2010/main" val="0"/>
+              </a:ext>
+            </a:extLst>
+          </a:blip>
+          <a:srcRect/>
+          <a:stretch>
+            <a:fillRect/>
+          </a:stretch>
+        </p:blipFill>
+        <p:spPr bwMode="auto">
+          <a:xfrm>
+            <a:off x="2615242" y="2108185"/>
+            <a:ext cx="490267" cy="490267"/>
           </a:xfrm>
           <a:prstGeom prst="rect">
             <a:avLst/>

--- a/2023/VAC2023/Presentation/20230519 Introduction to Pandas.pptx
+++ b/2023/VAC2023/Presentation/20230519 Introduction to Pandas.pptx
@@ -9,7 +9,8 @@
     <p:sldId id="267" r:id="rId3"/>
     <p:sldId id="268" r:id="rId4"/>
     <p:sldId id="270" r:id="rId5"/>
-    <p:sldId id="269" r:id="rId6"/>
+    <p:sldId id="271" r:id="rId6"/>
+    <p:sldId id="269" r:id="rId7"/>
   </p:sldIdLst>
   <p:sldSz cx="12192000" cy="6858000"/>
   <p:notesSz cx="6858000" cy="9144000"/>
@@ -3472,89 +3473,110 @@
           <a:chExt cx="0" cy="0"/>
         </a:xfrm>
       </p:grpSpPr>
-      <p:sp>
-        <p:nvSpPr>
-          <p:cNvPr id="6" name="TextBox 5">
+      <p:grpSp>
+        <p:nvGrpSpPr>
+          <p:cNvPr id="3" name="Group 2">
             <a:extLst>
               <a:ext uri="{FF2B5EF4-FFF2-40B4-BE49-F238E27FC236}">
-                <a16:creationId xmlns:a16="http://schemas.microsoft.com/office/drawing/2014/main" id="{72BF1CB7-CDB5-E9A7-AF38-DCE583795879}"/>
+                <a16:creationId xmlns:a16="http://schemas.microsoft.com/office/drawing/2014/main" id="{F31A2F65-D73C-B1B9-EE9A-094B66CF13A1}"/>
               </a:ext>
             </a:extLst>
           </p:cNvPr>
-          <p:cNvSpPr txBox="1"/>
+          <p:cNvGrpSpPr/>
           <p:nvPr/>
-        </p:nvSpPr>
-        <p:spPr>
+        </p:nvGrpSpPr>
+        <p:grpSpPr>
           <a:xfrm>
-            <a:off x="2524642" y="2526778"/>
-            <a:ext cx="7142716" cy="461665"/>
+            <a:off x="264521" y="2293865"/>
+            <a:ext cx="7142716" cy="1661994"/>
+            <a:chOff x="2524642" y="2526778"/>
+            <a:chExt cx="7142716" cy="1661994"/>
           </a:xfrm>
-          <a:prstGeom prst="rect">
-            <a:avLst/>
-          </a:prstGeom>
-          <a:noFill/>
-        </p:spPr>
-        <p:txBody>
-          <a:bodyPr wrap="square" rtlCol="0">
-            <a:spAutoFit/>
-          </a:bodyPr>
-          <a:lstStyle/>
-          <a:p>
-            <a:r>
-              <a:rPr lang="en-IN" sz="2400" b="1" u="sng" dirty="0">
-                <a:solidFill>
-                  <a:srgbClr val="002060"/>
-                </a:solidFill>
-                <a:latin typeface="Arial" panose="020B0604020202020204" pitchFamily="34" charset="0"/>
-                <a:cs typeface="Arial" panose="020B0604020202020204" pitchFamily="34" charset="0"/>
-              </a:rPr>
-              <a:t>Quick Disclaimer</a:t>
-            </a:r>
-          </a:p>
-        </p:txBody>
-      </p:sp>
-      <p:sp>
-        <p:nvSpPr>
-          <p:cNvPr id="2" name="TextBox 1">
-            <a:extLst>
-              <a:ext uri="{FF2B5EF4-FFF2-40B4-BE49-F238E27FC236}">
-                <a16:creationId xmlns:a16="http://schemas.microsoft.com/office/drawing/2014/main" id="{F8705619-3019-7347-0830-4B05890CEF76}"/>
-              </a:ext>
-            </a:extLst>
-          </p:cNvPr>
-          <p:cNvSpPr txBox="1"/>
-          <p:nvPr/>
-        </p:nvSpPr>
-        <p:spPr>
-          <a:xfrm>
-            <a:off x="2524642" y="2988443"/>
-            <a:ext cx="7142716" cy="1200329"/>
-          </a:xfrm>
-          <a:prstGeom prst="rect">
-            <a:avLst/>
-          </a:prstGeom>
-          <a:noFill/>
-        </p:spPr>
-        <p:txBody>
-          <a:bodyPr wrap="square" rtlCol="0">
-            <a:spAutoFit/>
-          </a:bodyPr>
-          <a:lstStyle/>
-          <a:p>
-            <a:pPr algn="just"/>
-            <a:r>
-              <a:rPr lang="en-IN" sz="2400" dirty="0">
-                <a:solidFill>
-                  <a:srgbClr val="002060"/>
-                </a:solidFill>
-                <a:latin typeface="Arial" panose="020B0604020202020204" pitchFamily="34" charset="0"/>
-                <a:cs typeface="Arial" panose="020B0604020202020204" pitchFamily="34" charset="0"/>
-              </a:rPr>
-              <a:t>This discussion is under sole knowledge of mine and not a part of any statement, policy or no where related to my employer. </a:t>
-            </a:r>
-          </a:p>
-        </p:txBody>
-      </p:sp>
+        </p:grpSpPr>
+        <p:sp>
+          <p:nvSpPr>
+            <p:cNvPr id="6" name="TextBox 5">
+              <a:extLst>
+                <a:ext uri="{FF2B5EF4-FFF2-40B4-BE49-F238E27FC236}">
+                  <a16:creationId xmlns:a16="http://schemas.microsoft.com/office/drawing/2014/main" id="{72BF1CB7-CDB5-E9A7-AF38-DCE583795879}"/>
+                </a:ext>
+              </a:extLst>
+            </p:cNvPr>
+            <p:cNvSpPr txBox="1"/>
+            <p:nvPr/>
+          </p:nvSpPr>
+          <p:spPr>
+            <a:xfrm>
+              <a:off x="2524642" y="2526778"/>
+              <a:ext cx="7142716" cy="461665"/>
+            </a:xfrm>
+            <a:prstGeom prst="rect">
+              <a:avLst/>
+            </a:prstGeom>
+            <a:noFill/>
+          </p:spPr>
+          <p:txBody>
+            <a:bodyPr wrap="square" rtlCol="0">
+              <a:spAutoFit/>
+            </a:bodyPr>
+            <a:lstStyle/>
+            <a:p>
+              <a:r>
+                <a:rPr lang="en-IN" sz="2400" b="1" u="sng" dirty="0">
+                  <a:solidFill>
+                    <a:srgbClr val="002060"/>
+                  </a:solidFill>
+                  <a:latin typeface="Arial" panose="020B0604020202020204" pitchFamily="34" charset="0"/>
+                  <a:cs typeface="Arial" panose="020B0604020202020204" pitchFamily="34" charset="0"/>
+                </a:rPr>
+                <a:t>Quick Disclaimer</a:t>
+              </a:r>
+            </a:p>
+          </p:txBody>
+        </p:sp>
+        <p:sp>
+          <p:nvSpPr>
+            <p:cNvPr id="2" name="TextBox 1">
+              <a:extLst>
+                <a:ext uri="{FF2B5EF4-FFF2-40B4-BE49-F238E27FC236}">
+                  <a16:creationId xmlns:a16="http://schemas.microsoft.com/office/drawing/2014/main" id="{F8705619-3019-7347-0830-4B05890CEF76}"/>
+                </a:ext>
+              </a:extLst>
+            </p:cNvPr>
+            <p:cNvSpPr txBox="1"/>
+            <p:nvPr/>
+          </p:nvSpPr>
+          <p:spPr>
+            <a:xfrm>
+              <a:off x="2524642" y="2988443"/>
+              <a:ext cx="7142716" cy="1200329"/>
+            </a:xfrm>
+            <a:prstGeom prst="rect">
+              <a:avLst/>
+            </a:prstGeom>
+            <a:noFill/>
+          </p:spPr>
+          <p:txBody>
+            <a:bodyPr wrap="square" rtlCol="0">
+              <a:spAutoFit/>
+            </a:bodyPr>
+            <a:lstStyle/>
+            <a:p>
+              <a:pPr algn="just"/>
+              <a:r>
+                <a:rPr lang="en-IN" sz="2400" dirty="0">
+                  <a:solidFill>
+                    <a:srgbClr val="002060"/>
+                  </a:solidFill>
+                  <a:latin typeface="Arial" panose="020B0604020202020204" pitchFamily="34" charset="0"/>
+                  <a:cs typeface="Arial" panose="020B0604020202020204" pitchFamily="34" charset="0"/>
+                </a:rPr>
+                <a:t>This discussion is under sole knowledge of mine and not a part of any statement, policy or no where related to my employer. </a:t>
+              </a:r>
+            </a:p>
+          </p:txBody>
+        </p:sp>
+      </p:grpSp>
     </p:spTree>
     <p:extLst>
       <p:ext uri="{BB962C8B-B14F-4D97-AF65-F5344CB8AC3E}">
@@ -7880,6 +7902,295 @@
                 <a:latin typeface="Arial" panose="020B0604020202020204" pitchFamily="34" charset="0"/>
                 <a:cs typeface="Arial" panose="020B0604020202020204" pitchFamily="34" charset="0"/>
               </a:rPr>
+              <a:t>An Introduction to Pandas</a:t>
+            </a:r>
+            <a:endParaRPr lang="en-IN" sz="1800" b="1" dirty="0">
+              <a:solidFill>
+                <a:srgbClr val="002060"/>
+              </a:solidFill>
+              <a:latin typeface="Arial" panose="020B0604020202020204" pitchFamily="34" charset="0"/>
+              <a:cs typeface="Arial" panose="020B0604020202020204" pitchFamily="34" charset="0"/>
+            </a:endParaRPr>
+          </a:p>
+        </p:txBody>
+      </p:sp>
+      <p:sp>
+        <p:nvSpPr>
+          <p:cNvPr id="4" name="TextBox 3">
+            <a:extLst>
+              <a:ext uri="{FF2B5EF4-FFF2-40B4-BE49-F238E27FC236}">
+                <a16:creationId xmlns:a16="http://schemas.microsoft.com/office/drawing/2014/main" id="{6EE0DD8A-E55D-4370-54CB-3E7C7A00DE32}"/>
+              </a:ext>
+            </a:extLst>
+          </p:cNvPr>
+          <p:cNvSpPr txBox="1"/>
+          <p:nvPr/>
+        </p:nvSpPr>
+        <p:spPr>
+          <a:xfrm>
+            <a:off x="289559" y="1058072"/>
+            <a:ext cx="10864396" cy="584775"/>
+          </a:xfrm>
+          <a:prstGeom prst="rect">
+            <a:avLst/>
+          </a:prstGeom>
+          <a:noFill/>
+        </p:spPr>
+        <p:txBody>
+          <a:bodyPr wrap="square">
+            <a:spAutoFit/>
+          </a:bodyPr>
+          <a:lstStyle/>
+          <a:p>
+            <a:pPr algn="l"/>
+            <a:r>
+              <a:rPr lang="en-US" sz="1600" b="0" i="0" dirty="0">
+                <a:solidFill>
+                  <a:srgbClr val="002060"/>
+                </a:solidFill>
+                <a:effectLst/>
+                <a:latin typeface="Arial" panose="020B0604020202020204" pitchFamily="34" charset="0"/>
+                <a:cs typeface="Arial" panose="020B0604020202020204" pitchFamily="34" charset="0"/>
+              </a:rPr>
+              <a:t>Data management in Python involves using different libraries and tools to handle data in various formats and from various sources. Here are some key aspects of data management in Python:</a:t>
+            </a:r>
+          </a:p>
+        </p:txBody>
+      </p:sp>
+    </p:spTree>
+    <p:extLst>
+      <p:ext uri="{BB962C8B-B14F-4D97-AF65-F5344CB8AC3E}">
+        <p14:creationId xmlns:p14="http://schemas.microsoft.com/office/powerpoint/2010/main" val="1425335046"/>
+      </p:ext>
+    </p:extLst>
+  </p:cSld>
+  <p:clrMapOvr>
+    <a:masterClrMapping/>
+  </p:clrMapOvr>
+</p:sld>
+</file>
+
+<file path=ppt/slides/slide6.xml><?xml version="1.0" encoding="utf-8"?>
+<p:sld xmlns:a="http://schemas.openxmlformats.org/drawingml/2006/main" xmlns:r="http://schemas.openxmlformats.org/officeDocument/2006/relationships" xmlns:p="http://schemas.openxmlformats.org/presentationml/2006/main">
+  <p:cSld>
+    <p:spTree>
+      <p:nvGrpSpPr>
+        <p:cNvPr id="1" name=""/>
+        <p:cNvGrpSpPr/>
+        <p:nvPr/>
+      </p:nvGrpSpPr>
+      <p:grpSpPr>
+        <a:xfrm>
+          <a:off x="0" y="0"/>
+          <a:ext cx="0" cy="0"/>
+          <a:chOff x="0" y="0"/>
+          <a:chExt cx="0" cy="0"/>
+        </a:xfrm>
+      </p:grpSpPr>
+      <p:sp>
+        <p:nvSpPr>
+          <p:cNvPr id="3" name="Content Placeholder 2">
+            <a:extLst>
+              <a:ext uri="{FF2B5EF4-FFF2-40B4-BE49-F238E27FC236}">
+                <a16:creationId xmlns:a16="http://schemas.microsoft.com/office/drawing/2014/main" id="{47315C7D-F81A-3DA0-E78A-A0FD3189F91F}"/>
+              </a:ext>
+            </a:extLst>
+          </p:cNvPr>
+          <p:cNvSpPr txBox="1">
+            <a:spLocks/>
+          </p:cNvSpPr>
+          <p:nvPr/>
+        </p:nvSpPr>
+        <p:spPr>
+          <a:xfrm>
+            <a:off x="289559" y="152690"/>
+            <a:ext cx="10515600" cy="606435"/>
+          </a:xfrm>
+          <a:prstGeom prst="rect">
+            <a:avLst/>
+          </a:prstGeom>
+        </p:spPr>
+        <p:txBody>
+          <a:bodyPr vert="horz" lIns="91440" tIns="45720" rIns="91440" bIns="45720" rtlCol="0" anchor="ctr" anchorCtr="0">
+            <a:normAutofit/>
+          </a:bodyPr>
+          <a:lstStyle>
+            <a:lvl1pPr marL="228600" indent="-228600" algn="l" defTabSz="914400" rtl="0" eaLnBrk="1" latinLnBrk="0" hangingPunct="1">
+              <a:lnSpc>
+                <a:spcPct val="90000"/>
+              </a:lnSpc>
+              <a:spcBef>
+                <a:spcPts val="1000"/>
+              </a:spcBef>
+              <a:buFont typeface="Arial" panose="020B0604020202020204" pitchFamily="34" charset="0"/>
+              <a:buChar char="•"/>
+              <a:defRPr sz="2800" kern="1200">
+                <a:solidFill>
+                  <a:schemeClr val="tx1"/>
+                </a:solidFill>
+                <a:latin typeface="+mn-lt"/>
+                <a:ea typeface="+mn-ea"/>
+                <a:cs typeface="+mn-cs"/>
+              </a:defRPr>
+            </a:lvl1pPr>
+            <a:lvl2pPr marL="685800" indent="-228600" algn="l" defTabSz="914400" rtl="0" eaLnBrk="1" latinLnBrk="0" hangingPunct="1">
+              <a:lnSpc>
+                <a:spcPct val="90000"/>
+              </a:lnSpc>
+              <a:spcBef>
+                <a:spcPts val="500"/>
+              </a:spcBef>
+              <a:buFont typeface="Arial" panose="020B0604020202020204" pitchFamily="34" charset="0"/>
+              <a:buChar char="•"/>
+              <a:defRPr sz="2400" kern="1200">
+                <a:solidFill>
+                  <a:schemeClr val="tx1"/>
+                </a:solidFill>
+                <a:latin typeface="+mn-lt"/>
+                <a:ea typeface="+mn-ea"/>
+                <a:cs typeface="+mn-cs"/>
+              </a:defRPr>
+            </a:lvl2pPr>
+            <a:lvl3pPr marL="1143000" indent="-228600" algn="l" defTabSz="914400" rtl="0" eaLnBrk="1" latinLnBrk="0" hangingPunct="1">
+              <a:lnSpc>
+                <a:spcPct val="90000"/>
+              </a:lnSpc>
+              <a:spcBef>
+                <a:spcPts val="500"/>
+              </a:spcBef>
+              <a:buFont typeface="Arial" panose="020B0604020202020204" pitchFamily="34" charset="0"/>
+              <a:buChar char="•"/>
+              <a:defRPr sz="2000" kern="1200">
+                <a:solidFill>
+                  <a:schemeClr val="tx1"/>
+                </a:solidFill>
+                <a:latin typeface="+mn-lt"/>
+                <a:ea typeface="+mn-ea"/>
+                <a:cs typeface="+mn-cs"/>
+              </a:defRPr>
+            </a:lvl3pPr>
+            <a:lvl4pPr marL="1600200" indent="-228600" algn="l" defTabSz="914400" rtl="0" eaLnBrk="1" latinLnBrk="0" hangingPunct="1">
+              <a:lnSpc>
+                <a:spcPct val="90000"/>
+              </a:lnSpc>
+              <a:spcBef>
+                <a:spcPts val="500"/>
+              </a:spcBef>
+              <a:buFont typeface="Arial" panose="020B0604020202020204" pitchFamily="34" charset="0"/>
+              <a:buChar char="•"/>
+              <a:defRPr sz="1800" kern="1200">
+                <a:solidFill>
+                  <a:schemeClr val="tx1"/>
+                </a:solidFill>
+                <a:latin typeface="+mn-lt"/>
+                <a:ea typeface="+mn-ea"/>
+                <a:cs typeface="+mn-cs"/>
+              </a:defRPr>
+            </a:lvl4pPr>
+            <a:lvl5pPr marL="2057400" indent="-228600" algn="l" defTabSz="914400" rtl="0" eaLnBrk="1" latinLnBrk="0" hangingPunct="1">
+              <a:lnSpc>
+                <a:spcPct val="90000"/>
+              </a:lnSpc>
+              <a:spcBef>
+                <a:spcPts val="500"/>
+              </a:spcBef>
+              <a:buFont typeface="Arial" panose="020B0604020202020204" pitchFamily="34" charset="0"/>
+              <a:buChar char="•"/>
+              <a:defRPr sz="1800" kern="1200">
+                <a:solidFill>
+                  <a:schemeClr val="tx1"/>
+                </a:solidFill>
+                <a:latin typeface="+mn-lt"/>
+                <a:ea typeface="+mn-ea"/>
+                <a:cs typeface="+mn-cs"/>
+              </a:defRPr>
+            </a:lvl5pPr>
+            <a:lvl6pPr marL="2514600" indent="-228600" algn="l" defTabSz="914400" rtl="0" eaLnBrk="1" latinLnBrk="0" hangingPunct="1">
+              <a:lnSpc>
+                <a:spcPct val="90000"/>
+              </a:lnSpc>
+              <a:spcBef>
+                <a:spcPts val="500"/>
+              </a:spcBef>
+              <a:buFont typeface="Arial" panose="020B0604020202020204" pitchFamily="34" charset="0"/>
+              <a:buChar char="•"/>
+              <a:defRPr sz="1800" kern="1200">
+                <a:solidFill>
+                  <a:schemeClr val="tx1"/>
+                </a:solidFill>
+                <a:latin typeface="+mn-lt"/>
+                <a:ea typeface="+mn-ea"/>
+                <a:cs typeface="+mn-cs"/>
+              </a:defRPr>
+            </a:lvl6pPr>
+            <a:lvl7pPr marL="2971800" indent="-228600" algn="l" defTabSz="914400" rtl="0" eaLnBrk="1" latinLnBrk="0" hangingPunct="1">
+              <a:lnSpc>
+                <a:spcPct val="90000"/>
+              </a:lnSpc>
+              <a:spcBef>
+                <a:spcPts val="500"/>
+              </a:spcBef>
+              <a:buFont typeface="Arial" panose="020B0604020202020204" pitchFamily="34" charset="0"/>
+              <a:buChar char="•"/>
+              <a:defRPr sz="1800" kern="1200">
+                <a:solidFill>
+                  <a:schemeClr val="tx1"/>
+                </a:solidFill>
+                <a:latin typeface="+mn-lt"/>
+                <a:ea typeface="+mn-ea"/>
+                <a:cs typeface="+mn-cs"/>
+              </a:defRPr>
+            </a:lvl7pPr>
+            <a:lvl8pPr marL="3429000" indent="-228600" algn="l" defTabSz="914400" rtl="0" eaLnBrk="1" latinLnBrk="0" hangingPunct="1">
+              <a:lnSpc>
+                <a:spcPct val="90000"/>
+              </a:lnSpc>
+              <a:spcBef>
+                <a:spcPts val="500"/>
+              </a:spcBef>
+              <a:buFont typeface="Arial" panose="020B0604020202020204" pitchFamily="34" charset="0"/>
+              <a:buChar char="•"/>
+              <a:defRPr sz="1800" kern="1200">
+                <a:solidFill>
+                  <a:schemeClr val="tx1"/>
+                </a:solidFill>
+                <a:latin typeface="+mn-lt"/>
+                <a:ea typeface="+mn-ea"/>
+                <a:cs typeface="+mn-cs"/>
+              </a:defRPr>
+            </a:lvl8pPr>
+            <a:lvl9pPr marL="3886200" indent="-228600" algn="l" defTabSz="914400" rtl="0" eaLnBrk="1" latinLnBrk="0" hangingPunct="1">
+              <a:lnSpc>
+                <a:spcPct val="90000"/>
+              </a:lnSpc>
+              <a:spcBef>
+                <a:spcPts val="500"/>
+              </a:spcBef>
+              <a:buFont typeface="Arial" panose="020B0604020202020204" pitchFamily="34" charset="0"/>
+              <a:buChar char="•"/>
+              <a:defRPr sz="1800" kern="1200">
+                <a:solidFill>
+                  <a:schemeClr val="tx1"/>
+                </a:solidFill>
+                <a:latin typeface="+mn-lt"/>
+                <a:ea typeface="+mn-ea"/>
+                <a:cs typeface="+mn-cs"/>
+              </a:defRPr>
+            </a:lvl9pPr>
+          </a:lstStyle>
+          <a:p>
+            <a:pPr marL="0" indent="0" algn="just">
+              <a:buFont typeface="Arial" panose="020B0604020202020204" pitchFamily="34" charset="0"/>
+              <a:buNone/>
+            </a:pPr>
+            <a:r>
+              <a:rPr lang="en-US" sz="1800" b="1" dirty="0">
+                <a:solidFill>
+                  <a:srgbClr val="002060"/>
+                </a:solidFill>
+                <a:latin typeface="Arial" panose="020B0604020202020204" pitchFamily="34" charset="0"/>
+                <a:cs typeface="Arial" panose="020B0604020202020204" pitchFamily="34" charset="0"/>
+              </a:rPr>
               <a:t>Logistics for this Discussions</a:t>
             </a:r>
             <a:endParaRPr lang="en-IN" sz="1800" b="1" dirty="0">
@@ -7956,102 +8267,171 @@
           </a:p>
         </p:txBody>
       </p:sp>
-      <p:pic>
-        <p:nvPicPr>
-          <p:cNvPr id="3074" name="Picture 2" descr="GitHub Logo and symbol, meaning, history, PNG, brand">
-            <a:hlinkClick r:id="rId2"/>
+      <p:grpSp>
+        <p:nvGrpSpPr>
+          <p:cNvPr id="2" name="Group 1">
             <a:extLst>
               <a:ext uri="{FF2B5EF4-FFF2-40B4-BE49-F238E27FC236}">
-                <a16:creationId xmlns:a16="http://schemas.microsoft.com/office/drawing/2014/main" id="{1743D889-3F6B-7533-3754-7C12F85CFC24}"/>
+                <a16:creationId xmlns:a16="http://schemas.microsoft.com/office/drawing/2014/main" id="{FC33EB0D-A778-ED16-6002-0E8FDF3B2806}"/>
               </a:ext>
             </a:extLst>
           </p:cNvPr>
-          <p:cNvPicPr>
-            <a:picLocks noChangeAspect="1" noChangeArrowheads="1"/>
-          </p:cNvPicPr>
+          <p:cNvGrpSpPr/>
           <p:nvPr/>
-        </p:nvPicPr>
-        <p:blipFill>
-          <a:blip r:embed="rId3">
+        </p:nvGrpSpPr>
+        <p:grpSpPr>
+          <a:xfrm>
+            <a:off x="4188842" y="2701570"/>
+            <a:ext cx="3691324" cy="727430"/>
+            <a:chOff x="962563" y="1989603"/>
+            <a:chExt cx="3691324" cy="727430"/>
+          </a:xfrm>
+        </p:grpSpPr>
+        <p:pic>
+          <p:nvPicPr>
+            <p:cNvPr id="3074" name="Picture 2" descr="GitHub Logo and symbol, meaning, history, PNG, brand">
+              <a:hlinkClick r:id="rId2"/>
+              <a:extLst>
+                <a:ext uri="{FF2B5EF4-FFF2-40B4-BE49-F238E27FC236}">
+                  <a16:creationId xmlns:a16="http://schemas.microsoft.com/office/drawing/2014/main" id="{1743D889-3F6B-7533-3754-7C12F85CFC24}"/>
+                </a:ext>
+              </a:extLst>
+            </p:cNvPr>
+            <p:cNvPicPr>
+              <a:picLocks noChangeAspect="1" noChangeArrowheads="1"/>
+            </p:cNvPicPr>
+            <p:nvPr/>
+          </p:nvPicPr>
+          <p:blipFill>
+            <a:blip r:embed="rId3">
+              <a:extLst>
+                <a:ext uri="{28A0092B-C50C-407E-A947-70E740481C1C}">
+                  <a14:useLocalDpi xmlns:a14="http://schemas.microsoft.com/office/drawing/2010/main" val="0"/>
+                </a:ext>
+              </a:extLst>
+            </a:blip>
+            <a:srcRect/>
+            <a:stretch>
+              <a:fillRect/>
+            </a:stretch>
+          </p:blipFill>
+          <p:spPr bwMode="auto">
+            <a:xfrm>
+              <a:off x="962563" y="2089414"/>
+              <a:ext cx="904958" cy="509038"/>
+            </a:xfrm>
+            <a:prstGeom prst="rect">
+              <a:avLst/>
+            </a:prstGeom>
+            <a:noFill/>
             <a:extLst>
-              <a:ext uri="{28A0092B-C50C-407E-A947-70E740481C1C}">
-                <a14:useLocalDpi xmlns:a14="http://schemas.microsoft.com/office/drawing/2010/main" val="0"/>
+              <a:ext uri="{909E8E84-426E-40DD-AFC4-6F175D3DCCD1}">
+                <a14:hiddenFill xmlns:a14="http://schemas.microsoft.com/office/drawing/2010/main">
+                  <a:solidFill>
+                    <a:srgbClr val="FFFFFF"/>
+                  </a:solidFill>
+                </a14:hiddenFill>
               </a:ext>
             </a:extLst>
-          </a:blip>
-          <a:srcRect/>
-          <a:stretch>
-            <a:fillRect/>
-          </a:stretch>
-        </p:blipFill>
-        <p:spPr bwMode="auto">
-          <a:xfrm>
-            <a:off x="962563" y="2089414"/>
-            <a:ext cx="904958" cy="509038"/>
-          </a:xfrm>
-          <a:prstGeom prst="rect">
-            <a:avLst/>
-          </a:prstGeom>
-          <a:noFill/>
-          <a:extLst>
-            <a:ext uri="{909E8E84-426E-40DD-AFC4-6F175D3DCCD1}">
-              <a14:hiddenFill xmlns:a14="http://schemas.microsoft.com/office/drawing/2010/main">
-                <a:solidFill>
-                  <a:srgbClr val="FFFFFF"/>
-                </a:solidFill>
-              </a14:hiddenFill>
-            </a:ext>
-          </a:extLst>
-        </p:spPr>
-      </p:pic>
-      <p:pic>
-        <p:nvPicPr>
-          <p:cNvPr id="1028" name="Picture 4" descr="Anaconda.org">
-            <a:hlinkClick r:id="rId4"/>
+          </p:spPr>
+        </p:pic>
+        <p:pic>
+          <p:nvPicPr>
+            <p:cNvPr id="1028" name="Picture 4" descr="Anaconda.org">
+              <a:hlinkClick r:id="rId4"/>
+              <a:extLst>
+                <a:ext uri="{FF2B5EF4-FFF2-40B4-BE49-F238E27FC236}">
+                  <a16:creationId xmlns:a16="http://schemas.microsoft.com/office/drawing/2014/main" id="{93AB89C6-A8BB-2DE6-19C0-B3E38C1B545B}"/>
+                </a:ext>
+              </a:extLst>
+            </p:cNvPr>
+            <p:cNvPicPr>
+              <a:picLocks noChangeAspect="1" noChangeArrowheads="1"/>
+            </p:cNvPicPr>
+            <p:nvPr/>
+          </p:nvPicPr>
+          <p:blipFill>
+            <a:blip r:embed="rId5">
+              <a:extLst>
+                <a:ext uri="{28A0092B-C50C-407E-A947-70E740481C1C}">
+                  <a14:useLocalDpi xmlns:a14="http://schemas.microsoft.com/office/drawing/2010/main" val="0"/>
+                </a:ext>
+              </a:extLst>
+            </a:blip>
+            <a:srcRect/>
+            <a:stretch>
+              <a:fillRect/>
+            </a:stretch>
+          </p:blipFill>
+          <p:spPr bwMode="auto">
+            <a:xfrm>
+              <a:off x="2615242" y="2108185"/>
+              <a:ext cx="490267" cy="490267"/>
+            </a:xfrm>
+            <a:prstGeom prst="rect">
+              <a:avLst/>
+            </a:prstGeom>
+            <a:noFill/>
             <a:extLst>
-              <a:ext uri="{FF2B5EF4-FFF2-40B4-BE49-F238E27FC236}">
-                <a16:creationId xmlns:a16="http://schemas.microsoft.com/office/drawing/2014/main" id="{93AB89C6-A8BB-2DE6-19C0-B3E38C1B545B}"/>
+              <a:ext uri="{909E8E84-426E-40DD-AFC4-6F175D3DCCD1}">
+                <a14:hiddenFill xmlns:a14="http://schemas.microsoft.com/office/drawing/2010/main">
+                  <a:solidFill>
+                    <a:srgbClr val="FFFFFF"/>
+                  </a:solidFill>
+                </a14:hiddenFill>
               </a:ext>
             </a:extLst>
-          </p:cNvPr>
-          <p:cNvPicPr>
-            <a:picLocks noChangeAspect="1" noChangeArrowheads="1"/>
-          </p:cNvPicPr>
-          <p:nvPr/>
-        </p:nvPicPr>
-        <p:blipFill>
-          <a:blip r:embed="rId5">
+          </p:spPr>
+        </p:pic>
+        <p:pic>
+          <p:nvPicPr>
+            <p:cNvPr id="1026" name="Picture 2" descr="Welcome To Colaboratory - Colaboratory">
+              <a:hlinkClick r:id="rId6"/>
+              <a:extLst>
+                <a:ext uri="{FF2B5EF4-FFF2-40B4-BE49-F238E27FC236}">
+                  <a16:creationId xmlns:a16="http://schemas.microsoft.com/office/drawing/2014/main" id="{C5B6C6B2-8B3B-643D-C9AB-470C3FDB828D}"/>
+                </a:ext>
+              </a:extLst>
+            </p:cNvPr>
+            <p:cNvPicPr>
+              <a:picLocks noChangeAspect="1" noChangeArrowheads="1"/>
+            </p:cNvPicPr>
+            <p:nvPr/>
+          </p:nvPicPr>
+          <p:blipFill>
+            <a:blip r:embed="rId7">
+              <a:extLst>
+                <a:ext uri="{28A0092B-C50C-407E-A947-70E740481C1C}">
+                  <a14:useLocalDpi xmlns:a14="http://schemas.microsoft.com/office/drawing/2010/main" val="0"/>
+                </a:ext>
+              </a:extLst>
+            </a:blip>
+            <a:srcRect/>
+            <a:stretch>
+              <a:fillRect/>
+            </a:stretch>
+          </p:blipFill>
+          <p:spPr bwMode="auto">
+            <a:xfrm>
+              <a:off x="3926457" y="1989603"/>
+              <a:ext cx="727430" cy="727430"/>
+            </a:xfrm>
+            <a:prstGeom prst="rect">
+              <a:avLst/>
+            </a:prstGeom>
+            <a:noFill/>
             <a:extLst>
-              <a:ext uri="{28A0092B-C50C-407E-A947-70E740481C1C}">
-                <a14:useLocalDpi xmlns:a14="http://schemas.microsoft.com/office/drawing/2010/main" val="0"/>
+              <a:ext uri="{909E8E84-426E-40DD-AFC4-6F175D3DCCD1}">
+                <a14:hiddenFill xmlns:a14="http://schemas.microsoft.com/office/drawing/2010/main">
+                  <a:solidFill>
+                    <a:srgbClr val="FFFFFF"/>
+                  </a:solidFill>
+                </a14:hiddenFill>
               </a:ext>
             </a:extLst>
-          </a:blip>
-          <a:srcRect/>
-          <a:stretch>
-            <a:fillRect/>
-          </a:stretch>
-        </p:blipFill>
-        <p:spPr bwMode="auto">
-          <a:xfrm>
-            <a:off x="2615242" y="2108185"/>
-            <a:ext cx="490267" cy="490267"/>
-          </a:xfrm>
-          <a:prstGeom prst="rect">
-            <a:avLst/>
-          </a:prstGeom>
-          <a:noFill/>
-          <a:extLst>
-            <a:ext uri="{909E8E84-426E-40DD-AFC4-6F175D3DCCD1}">
-              <a14:hiddenFill xmlns:a14="http://schemas.microsoft.com/office/drawing/2010/main">
-                <a:solidFill>
-                  <a:srgbClr val="FFFFFF"/>
-                </a:solidFill>
-              </a14:hiddenFill>
-            </a:ext>
-          </a:extLst>
-        </p:spPr>
-      </p:pic>
+          </p:spPr>
+        </p:pic>
+      </p:grpSp>
     </p:spTree>
     <p:extLst>
       <p:ext uri="{BB962C8B-B14F-4D97-AF65-F5344CB8AC3E}">
